--- a/doc/CNN_hyunq.pptx
+++ b/doc/CNN_hyunq.pptx
@@ -393,7 +393,7 @@
             <a:fld id="{C036B14C-1EE6-40CC-B47F-D850A52A37F2}" type="datetimeFigureOut">
               <a:rPr lang="ko-KR" altLang="en-US" smtClean="0"/>
               <a:pPr/>
-              <a:t>2020-01-20</a:t>
+              <a:t>2020-01-22</a:t>
             </a:fld>
             <a:endParaRPr lang="ko-KR" altLang="en-US"/>
           </a:p>
@@ -1107,7 +1107,7 @@
             <a:fld id="{85971C86-2C5B-EB43-BE75-C1CF31CC9443}" type="datetime1">
               <a:rPr lang="ko-KR" altLang="en-US" smtClean="0"/>
               <a:pPr/>
-              <a:t>2020-01-20</a:t>
+              <a:t>2020-01-22</a:t>
             </a:fld>
             <a:endParaRPr lang="ko-KR" altLang="en-US"/>
           </a:p>
@@ -1391,7 +1391,7 @@
             <a:fld id="{5F96B0C1-D31C-2C4E-87C8-D33CB6019974}" type="datetime1">
               <a:rPr lang="ko-KR" altLang="en-US" smtClean="0"/>
               <a:pPr/>
-              <a:t>2020-01-20</a:t>
+              <a:t>2020-01-22</a:t>
             </a:fld>
             <a:endParaRPr lang="ko-KR" altLang="en-US"/>
           </a:p>
@@ -1652,7 +1652,7 @@
             <a:fld id="{5ECDD9AB-C603-1F47-8CC7-C2DC03A70B08}" type="datetime1">
               <a:rPr lang="ko-KR" altLang="en-US" smtClean="0"/>
               <a:pPr/>
-              <a:t>2020-01-20</a:t>
+              <a:t>2020-01-22</a:t>
             </a:fld>
             <a:endParaRPr lang="ko-KR" altLang="en-US"/>
           </a:p>
@@ -1829,7 +1829,7 @@
             <a:fld id="{E9C6FFBC-BA29-034A-B378-F9B169232D6B}" type="datetime1">
               <a:rPr lang="ko-KR" altLang="en-US" smtClean="0"/>
               <a:pPr/>
-              <a:t>2020-01-20</a:t>
+              <a:t>2020-01-22</a:t>
             </a:fld>
             <a:endParaRPr lang="ko-KR" altLang="en-US"/>
           </a:p>
@@ -2016,7 +2016,7 @@
             <a:fld id="{ABB0C4CB-EA9A-7043-A0E9-88EACA751849}" type="datetime1">
               <a:rPr lang="ko-KR" altLang="en-US" smtClean="0"/>
               <a:pPr/>
-              <a:t>2020-01-20</a:t>
+              <a:t>2020-01-22</a:t>
             </a:fld>
             <a:endParaRPr lang="ko-KR" altLang="en-US"/>
           </a:p>
@@ -2247,7 +2247,7 @@
             <a:fld id="{053B3F64-277D-4441-BC5D-2FE3F62AC76E}" type="datetime1">
               <a:rPr lang="ko-KR" altLang="en-US" smtClean="0"/>
               <a:pPr/>
-              <a:t>2020-01-20</a:t>
+              <a:t>2020-01-22</a:t>
             </a:fld>
             <a:endParaRPr lang="ko-KR" altLang="en-US"/>
           </a:p>
@@ -2498,7 +2498,7 @@
             <a:fld id="{B4DFDC0C-3D50-A845-A5C0-CAA9FC928EB4}" type="datetime1">
               <a:rPr lang="ko-KR" altLang="en-US" smtClean="0"/>
               <a:pPr/>
-              <a:t>2020-01-20</a:t>
+              <a:t>2020-01-22</a:t>
             </a:fld>
             <a:endParaRPr lang="ko-KR" altLang="en-US"/>
           </a:p>
@@ -2816,7 +2816,7 @@
             <a:fld id="{3D199F70-D683-734C-A8C5-87F26417ABAD}" type="datetime1">
               <a:rPr lang="ko-KR" altLang="en-US" smtClean="0"/>
               <a:pPr/>
-              <a:t>2020-01-20</a:t>
+              <a:t>2020-01-22</a:t>
             </a:fld>
             <a:endParaRPr lang="ko-KR" altLang="en-US"/>
           </a:p>
@@ -3132,7 +3132,7 @@
             <a:fld id="{960CF2B0-DA2E-1A42-B8B9-BA427F910D95}" type="datetime1">
               <a:rPr lang="ko-KR" altLang="en-US" smtClean="0"/>
               <a:pPr/>
-              <a:t>2020-01-20</a:t>
+              <a:t>2020-01-22</a:t>
             </a:fld>
             <a:endParaRPr lang="ko-KR" altLang="en-US"/>
           </a:p>
@@ -3596,7 +3596,7 @@
             <a:fld id="{8A46EEB6-2CD5-FE46-A18E-C13DD1993F9D}" type="datetime1">
               <a:rPr lang="ko-KR" altLang="en-US" smtClean="0"/>
               <a:pPr/>
-              <a:t>2020-01-20</a:t>
+              <a:t>2020-01-22</a:t>
             </a:fld>
             <a:endParaRPr lang="ko-KR" altLang="en-US"/>
           </a:p>
@@ -3819,7 +3819,7 @@
             <a:fld id="{9BA65E2A-BF59-814B-B4C8-F8BB7B392DA7}" type="datetime1">
               <a:rPr lang="ko-KR" altLang="en-US" smtClean="0"/>
               <a:pPr/>
-              <a:t>2020-01-20</a:t>
+              <a:t>2020-01-22</a:t>
             </a:fld>
             <a:endParaRPr lang="ko-KR" altLang="en-US"/>
           </a:p>
@@ -3969,7 +3969,7 @@
             <a:fld id="{706FBA2F-95FD-3043-80B4-FEF90E9BDAE5}" type="datetime1">
               <a:rPr lang="ko-KR" altLang="en-US" smtClean="0"/>
               <a:pPr/>
-              <a:t>2020-01-20</a:t>
+              <a:t>2020-01-22</a:t>
             </a:fld>
             <a:endParaRPr lang="ko-KR" altLang="en-US"/>
           </a:p>
@@ -4326,7 +4326,7 @@
             <a:fld id="{3A72648C-8F1F-974F-AB70-B3AC295DE470}" type="datetime1">
               <a:rPr lang="ko-KR" altLang="en-US" smtClean="0"/>
               <a:pPr/>
-              <a:t>2020-01-20</a:t>
+              <a:t>2020-01-22</a:t>
             </a:fld>
             <a:endParaRPr lang="ko-KR" altLang="en-US"/>
           </a:p>
@@ -4660,7 +4660,7 @@
             <a:fld id="{58E04696-D4C8-4A48-B253-48FEE500B95F}" type="datetime1">
               <a:rPr lang="ko-KR" altLang="en-US" smtClean="0"/>
               <a:pPr/>
-              <a:t>2020-01-20</a:t>
+              <a:t>2020-01-22</a:t>
             </a:fld>
             <a:endParaRPr lang="ko-KR" altLang="en-US"/>
           </a:p>
@@ -4911,7 +4911,7 @@
             <a:fld id="{2B331756-4AFB-DF44-A946-80057EFACDDE}" type="datetime1">
               <a:rPr lang="ko-KR" altLang="en-US" smtClean="0"/>
               <a:pPr/>
-              <a:t>2020-01-20</a:t>
+              <a:t>2020-01-22</a:t>
             </a:fld>
             <a:endParaRPr lang="ko-KR" altLang="en-US"/>
           </a:p>
@@ -5162,7 +5162,7 @@
             <a:fld id="{78C2EF14-9A85-044D-9E0D-CD60CFDAE00C}" type="datetime1">
               <a:rPr lang="ko-KR" altLang="en-US" smtClean="0"/>
               <a:pPr/>
-              <a:t>2020-01-20</a:t>
+              <a:t>2020-01-22</a:t>
             </a:fld>
             <a:endParaRPr lang="ko-KR" altLang="en-US"/>
           </a:p>
@@ -5306,7 +5306,7 @@
             <a:fld id="{5E7DFC15-5941-A048-8C41-5DB4C57DF04B}" type="datetime1">
               <a:rPr lang="ko-KR" altLang="en-US" smtClean="0"/>
               <a:pPr/>
-              <a:t>2020-01-20</a:t>
+              <a:t>2020-01-22</a:t>
             </a:fld>
             <a:endParaRPr lang="ko-KR" altLang="en-US"/>
           </a:p>
@@ -5571,7 +5571,7 @@
             <a:fld id="{6B78E568-C3F1-FF4D-94CB-CFEF044AD879}" type="datetime1">
               <a:rPr lang="ko-KR" altLang="en-US" smtClean="0"/>
               <a:pPr/>
-              <a:t>2020-01-20</a:t>
+              <a:t>2020-01-22</a:t>
             </a:fld>
             <a:endParaRPr lang="ko-KR" altLang="en-US"/>
           </a:p>
@@ -5748,7 +5748,7 @@
             <a:fld id="{C54433C8-06B1-D74D-925C-D5B79117A52B}" type="datetime1">
               <a:rPr lang="ko-KR" altLang="en-US" smtClean="0"/>
               <a:pPr/>
-              <a:t>2020-01-20</a:t>
+              <a:t>2020-01-22</a:t>
             </a:fld>
             <a:endParaRPr lang="ko-KR" altLang="en-US"/>
           </a:p>
@@ -6002,7 +6002,7 @@
             <a:fld id="{91087711-7130-694F-A36F-AE0AE5BBF389}" type="datetime1">
               <a:rPr lang="ko-KR" altLang="en-US" smtClean="0"/>
               <a:pPr/>
-              <a:t>2020-01-20</a:t>
+              <a:t>2020-01-22</a:t>
             </a:fld>
             <a:endParaRPr lang="ko-KR" altLang="en-US"/>
           </a:p>
@@ -6296,7 +6296,7 @@
             <a:fld id="{E3C9997B-A5F9-5249-A3BE-C0FFADAA8AD5}" type="datetime1">
               <a:rPr lang="ko-KR" altLang="en-US" smtClean="0"/>
               <a:pPr/>
-              <a:t>2020-01-20</a:t>
+              <a:t>2020-01-22</a:t>
             </a:fld>
             <a:endParaRPr lang="ko-KR" altLang="en-US"/>
           </a:p>
@@ -6724,7 +6724,7 @@
             <a:fld id="{B22D9A76-5AC8-A340-9F87-D4B239793FBE}" type="datetime1">
               <a:rPr lang="ko-KR" altLang="en-US" smtClean="0"/>
               <a:pPr/>
-              <a:t>2020-01-20</a:t>
+              <a:t>2020-01-22</a:t>
             </a:fld>
             <a:endParaRPr lang="ko-KR" altLang="en-US"/>
           </a:p>
@@ -6850,7 +6850,7 @@
             <a:fld id="{E3BCE3C1-E2DE-4342-8A94-641BD87BCA57}" type="datetime1">
               <a:rPr lang="ko-KR" altLang="en-US" smtClean="0"/>
               <a:pPr/>
-              <a:t>2020-01-20</a:t>
+              <a:t>2020-01-22</a:t>
             </a:fld>
             <a:endParaRPr lang="ko-KR" altLang="en-US"/>
           </a:p>
@@ -8090,7 +8090,7 @@
             <a:fld id="{81C152DC-6DE1-DA4E-B38A-16E700344C5F}" type="datetime1">
               <a:rPr lang="ko-KR" altLang="en-US" smtClean="0"/>
               <a:pPr/>
-              <a:t>2020-01-20</a:t>
+              <a:t>2020-01-22</a:t>
             </a:fld>
             <a:endParaRPr lang="ko-KR" altLang="en-US"/>
           </a:p>
